--- a/Crystal Lake Mansion - Prototype Presentatie.pptx
+++ b/Crystal Lake Mansion - Prototype Presentatie.pptx
@@ -5,7 +5,7 @@
     <p:sldMasterId id="2147483659" r:id="rId1"/>
   </p:sldMasterIdLst>
   <p:notesMasterIdLst>
-    <p:notesMasterId r:id="rId10"/>
+    <p:notesMasterId r:id="rId11"/>
   </p:notesMasterIdLst>
   <p:sldIdLst>
     <p:sldId id="256" r:id="rId2"/>
@@ -16,6 +16,7 @@
     <p:sldId id="261" r:id="rId7"/>
     <p:sldId id="264" r:id="rId8"/>
     <p:sldId id="265" r:id="rId9"/>
+    <p:sldId id="266" r:id="rId10"/>
   </p:sldIdLst>
   <p:sldSz cx="9144000" cy="6858000" type="screen4x3"/>
   <p:notesSz cx="6858000" cy="9144000"/>
@@ -250,7 +251,7 @@
   </p:defaultTextStyle>
   <p:extLst>
     <p:ext uri="{EFAFB233-063F-42B5-8137-9DF3F51BA10A}">
-      <p15:sldGuideLst xmlns="" xmlns:mc="http://schemas.openxmlformats.org/markup-compatibility/2006" xmlns:mv="urn:schemas-microsoft-com:mac:vml" xmlns:c="http://schemas.openxmlformats.org/drawingml/2006/chart" xmlns:dgm="http://schemas.openxmlformats.org/drawingml/2006/diagram" xmlns:o="urn:schemas-microsoft-com:office:office" xmlns:v="urn:schemas-microsoft-com:vml" xmlns:pvml="urn:schemas-microsoft-com:office:powerpoint" xmlns:com="http://schemas.openxmlformats.org/drawingml/2006/compatibility" xmlns:p14="http://schemas.microsoft.com/office/powerpoint/2010/main" xmlns:p15="http://schemas.microsoft.com/office/powerpoint/2012/main">
+      <p15:sldGuideLst xmlns:p15="http://schemas.microsoft.com/office/powerpoint/2012/main" xmlns:p14="http://schemas.microsoft.com/office/powerpoint/2010/main" xmlns:com="http://schemas.openxmlformats.org/drawingml/2006/compatibility" xmlns:pvml="urn:schemas-microsoft-com:office:powerpoint" xmlns:v="urn:schemas-microsoft-com:vml" xmlns:o="urn:schemas-microsoft-com:office:office" xmlns:dgm="http://schemas.openxmlformats.org/drawingml/2006/diagram" xmlns:c="http://schemas.openxmlformats.org/drawingml/2006/chart" xmlns:mv="urn:schemas-microsoft-com:mac:vml" xmlns:mc="http://schemas.openxmlformats.org/markup-compatibility/2006" xmlns="">
         <p15:guide id="1" orient="horz" pos="2160">
           <p15:clr>
             <a:srgbClr val="A4A3A4"/>
@@ -12457,6 +12458,42 @@
               <a:buChar char="•"/>
             </a:pPr>
             <a:r>
+              <a:rPr lang="nl-NL" sz="2800" dirty="0" err="1" smtClean="0">
+                <a:solidFill>
+                  <a:srgbClr val="FFFFFF"/>
+                </a:solidFill>
+                <a:latin typeface="Arial"/>
+                <a:ea typeface="Arial"/>
+                <a:cs typeface="Arial"/>
+                <a:sym typeface="Arial"/>
+              </a:rPr>
+              <a:t>Shaders</a:t>
+            </a:r>
+            <a:endParaRPr lang="nl-NL" sz="2800" dirty="0" smtClean="0">
+              <a:solidFill>
+                <a:srgbClr val="FFFFFF"/>
+              </a:solidFill>
+              <a:latin typeface="Arial"/>
+              <a:ea typeface="Arial"/>
+              <a:cs typeface="Arial"/>
+              <a:sym typeface="Arial"/>
+            </a:endParaRPr>
+          </a:p>
+          <a:p>
+            <a:pPr marL="342900" lvl="0" indent="-342900" algn="l" rtl="0">
+              <a:spcBef>
+                <a:spcPts val="560"/>
+              </a:spcBef>
+              <a:spcAft>
+                <a:spcPts val="0"/>
+              </a:spcAft>
+              <a:buClr>
+                <a:srgbClr val="FFFFFF"/>
+              </a:buClr>
+              <a:buSzPts val="2800"/>
+              <a:buChar char="•"/>
+            </a:pPr>
+            <a:r>
               <a:rPr lang="nl-NL" sz="2800" dirty="0" smtClean="0">
                 <a:solidFill>
                   <a:srgbClr val="FFFFFF"/>
@@ -12466,7 +12503,97 @@
                 <a:cs typeface="Arial"/>
                 <a:sym typeface="Arial"/>
               </a:rPr>
-              <a:t>???</a:t>
+              <a:t>Sound</a:t>
+            </a:r>
+          </a:p>
+          <a:p>
+            <a:pPr marL="342900" lvl="0" indent="-342900" algn="l" rtl="0">
+              <a:spcBef>
+                <a:spcPts val="560"/>
+              </a:spcBef>
+              <a:spcAft>
+                <a:spcPts val="0"/>
+              </a:spcAft>
+              <a:buClr>
+                <a:srgbClr val="FFFFFF"/>
+              </a:buClr>
+              <a:buSzPts val="2800"/>
+              <a:buChar char="•"/>
+            </a:pPr>
+            <a:r>
+              <a:rPr lang="nl-NL" sz="2800" dirty="0" smtClean="0">
+                <a:solidFill>
+                  <a:srgbClr val="FFFFFF"/>
+                </a:solidFill>
+                <a:latin typeface="Arial"/>
+                <a:ea typeface="Arial"/>
+                <a:cs typeface="Arial"/>
+                <a:sym typeface="Arial"/>
+              </a:rPr>
+              <a:t>UI</a:t>
+            </a:r>
+          </a:p>
+          <a:p>
+            <a:pPr marL="342900" lvl="0" indent="-342900" algn="l" rtl="0">
+              <a:spcBef>
+                <a:spcPts val="560"/>
+              </a:spcBef>
+              <a:spcAft>
+                <a:spcPts val="0"/>
+              </a:spcAft>
+              <a:buClr>
+                <a:srgbClr val="FFFFFF"/>
+              </a:buClr>
+              <a:buSzPts val="2800"/>
+              <a:buChar char="•"/>
+            </a:pPr>
+            <a:r>
+              <a:rPr lang="nl-NL" sz="2800" dirty="0" err="1" smtClean="0">
+                <a:solidFill>
+                  <a:srgbClr val="FFFFFF"/>
+                </a:solidFill>
+                <a:latin typeface="Arial"/>
+                <a:ea typeface="Arial"/>
+                <a:cs typeface="Arial"/>
+                <a:sym typeface="Arial"/>
+              </a:rPr>
+              <a:t>Lighting</a:t>
+            </a:r>
+            <a:endParaRPr lang="nl-NL" sz="2800" dirty="0" smtClean="0">
+              <a:solidFill>
+                <a:srgbClr val="FFFFFF"/>
+              </a:solidFill>
+              <a:latin typeface="Arial"/>
+              <a:ea typeface="Arial"/>
+              <a:cs typeface="Arial"/>
+              <a:sym typeface="Arial"/>
+            </a:endParaRPr>
+          </a:p>
+          <a:p>
+            <a:pPr marL="342900" lvl="0" indent="-342900" algn="l" rtl="0">
+              <a:spcBef>
+                <a:spcPts val="560"/>
+              </a:spcBef>
+              <a:spcAft>
+                <a:spcPts val="0"/>
+              </a:spcAft>
+              <a:buClr>
+                <a:srgbClr val="FFFFFF"/>
+              </a:buClr>
+              <a:buSzPts val="2800"/>
+              <a:buChar char="•"/>
+            </a:pPr>
+            <a:r>
+              <a:rPr lang="nl-NL" sz="2800" dirty="0" err="1" smtClean="0">
+                <a:solidFill>
+                  <a:srgbClr val="FFFFFF"/>
+                </a:solidFill>
+                <a:latin typeface="Arial"/>
+                <a:ea typeface="Arial"/>
+                <a:cs typeface="Arial"/>
+                <a:sym typeface="Arial"/>
+              </a:rPr>
+              <a:t>Particles</a:t>
             </a:r>
             <a:endParaRPr sz="2800" dirty="0">
               <a:solidFill>
@@ -12984,13 +13111,115 @@
                   <a:schemeClr val="lt1"/>
                 </a:solidFill>
                 <a:latin typeface="Arial"/>
-                <a:ea typeface="Arial"/>
                 <a:cs typeface="Arial"/>
                 <a:sym typeface="Arial"/>
               </a:rPr>
-              <a:t>???</a:t>
+              <a:t>Rooms</a:t>
             </a:r>
-            <a:endParaRPr dirty="0"/>
+          </a:p>
+          <a:p>
+            <a:pPr marL="342900" lvl="0" indent="-342900" algn="l" rtl="0">
+              <a:lnSpc>
+                <a:spcPct val="90000"/>
+              </a:lnSpc>
+              <a:spcBef>
+                <a:spcPts val="0"/>
+              </a:spcBef>
+              <a:spcAft>
+                <a:spcPts val="0"/>
+              </a:spcAft>
+              <a:buClr>
+                <a:schemeClr val="lt1"/>
+              </a:buClr>
+              <a:buSzPts val="2800"/>
+              <a:buChar char="•"/>
+            </a:pPr>
+            <a:r>
+              <a:rPr lang="nl-NL" sz="2800" dirty="0" err="1" smtClean="0">
+                <a:solidFill>
+                  <a:schemeClr val="lt1"/>
+                </a:solidFill>
+                <a:latin typeface="Arial"/>
+                <a:cs typeface="Arial"/>
+                <a:sym typeface="Arial"/>
+              </a:rPr>
+              <a:t>Enemy</a:t>
+            </a:r>
+            <a:endParaRPr lang="nl-NL" sz="2800" dirty="0" smtClean="0">
+              <a:solidFill>
+                <a:schemeClr val="lt1"/>
+              </a:solidFill>
+              <a:latin typeface="Arial"/>
+              <a:cs typeface="Arial"/>
+              <a:sym typeface="Arial"/>
+            </a:endParaRPr>
+          </a:p>
+          <a:p>
+            <a:pPr marL="342900" lvl="0" indent="-342900" algn="l" rtl="0">
+              <a:lnSpc>
+                <a:spcPct val="90000"/>
+              </a:lnSpc>
+              <a:spcBef>
+                <a:spcPts val="0"/>
+              </a:spcBef>
+              <a:spcAft>
+                <a:spcPts val="0"/>
+              </a:spcAft>
+              <a:buClr>
+                <a:schemeClr val="lt1"/>
+              </a:buClr>
+              <a:buSzPts val="2800"/>
+              <a:buChar char="•"/>
+            </a:pPr>
+            <a:r>
+              <a:rPr lang="nl-NL" sz="2800" dirty="0" err="1" smtClean="0">
+                <a:solidFill>
+                  <a:schemeClr val="lt1"/>
+                </a:solidFill>
+                <a:latin typeface="Arial"/>
+                <a:cs typeface="Arial"/>
+                <a:sym typeface="Arial"/>
+              </a:rPr>
+              <a:t>Player</a:t>
+            </a:r>
+            <a:endParaRPr lang="nl-NL" sz="2800" dirty="0" smtClean="0">
+              <a:solidFill>
+                <a:schemeClr val="lt1"/>
+              </a:solidFill>
+              <a:latin typeface="Arial"/>
+              <a:cs typeface="Arial"/>
+              <a:sym typeface="Arial"/>
+            </a:endParaRPr>
+          </a:p>
+          <a:p>
+            <a:pPr marL="342900" lvl="0" indent="-342900" algn="l" rtl="0">
+              <a:lnSpc>
+                <a:spcPct val="90000"/>
+              </a:lnSpc>
+              <a:spcBef>
+                <a:spcPts val="0"/>
+              </a:spcBef>
+              <a:spcAft>
+                <a:spcPts val="0"/>
+              </a:spcAft>
+              <a:buClr>
+                <a:schemeClr val="lt1"/>
+              </a:buClr>
+              <a:buSzPts val="2800"/>
+              <a:buChar char="•"/>
+            </a:pPr>
+            <a:r>
+              <a:rPr lang="nl-NL" sz="2800" dirty="0" err="1" smtClean="0">
+                <a:solidFill>
+                  <a:schemeClr val="lt1"/>
+                </a:solidFill>
+                <a:latin typeface="Arial"/>
+                <a:cs typeface="Arial"/>
+                <a:sym typeface="Arial"/>
+              </a:rPr>
+              <a:t>Props</a:t>
+            </a:r>
+            <a:endParaRPr lang="nl-NL" dirty="0" smtClean="0"/>
           </a:p>
         </p:txBody>
       </p:sp>
@@ -13366,6 +13595,92 @@
       </p:par>
     </p:tnLst>
   </p:timing>
+</p:sld>
+</file>
+
+<file path=ppt/slides/slide9.xml><?xml version="1.0" encoding="utf-8"?>
+<p:sld xmlns:a="http://schemas.openxmlformats.org/drawingml/2006/main" xmlns:r="http://schemas.openxmlformats.org/officeDocument/2006/relationships" xmlns:p="http://schemas.openxmlformats.org/presentationml/2006/main">
+  <p:cSld>
+    <p:spTree>
+      <p:nvGrpSpPr>
+        <p:cNvPr id="1" name=""/>
+        <p:cNvGrpSpPr/>
+        <p:nvPr/>
+      </p:nvGrpSpPr>
+      <p:grpSpPr>
+        <a:xfrm>
+          <a:off x="0" y="0"/>
+          <a:ext cx="0" cy="0"/>
+          <a:chOff x="0" y="0"/>
+          <a:chExt cx="0" cy="0"/>
+        </a:xfrm>
+      </p:grpSpPr>
+      <p:sp>
+        <p:nvSpPr>
+          <p:cNvPr id="2" name="Titel 1"/>
+          <p:cNvSpPr>
+            <a:spLocks noGrp="1"/>
+          </p:cNvSpPr>
+          <p:nvPr>
+            <p:ph type="title"/>
+          </p:nvPr>
+        </p:nvSpPr>
+        <p:spPr/>
+        <p:txBody>
+          <a:bodyPr/>
+          <a:lstStyle/>
+          <a:p>
+            <a:r>
+              <a:rPr lang="nl-NL" dirty="0" smtClean="0">
+                <a:solidFill>
+                  <a:schemeClr val="lt1"/>
+                </a:solidFill>
+                <a:latin typeface="October Crow" panose="02000500000000000000" pitchFamily="2" charset="0"/>
+                <a:ea typeface="Arial"/>
+                <a:cs typeface="Arial"/>
+              </a:rPr>
+              <a:t>Extra</a:t>
+            </a:r>
+            <a:endParaRPr lang="nl-NL" dirty="0">
+              <a:solidFill>
+                <a:schemeClr val="lt1"/>
+              </a:solidFill>
+              <a:latin typeface="October Crow" panose="02000500000000000000" pitchFamily="2" charset="0"/>
+              <a:ea typeface="Arial"/>
+              <a:cs typeface="Arial"/>
+            </a:endParaRPr>
+          </a:p>
+        </p:txBody>
+      </p:sp>
+      <p:sp>
+        <p:nvSpPr>
+          <p:cNvPr id="3" name="Tijdelijke aanduiding voor tekst 2"/>
+          <p:cNvSpPr>
+            <a:spLocks noGrp="1"/>
+          </p:cNvSpPr>
+          <p:nvPr>
+            <p:ph type="body" idx="1"/>
+          </p:nvPr>
+        </p:nvSpPr>
+        <p:spPr/>
+        <p:txBody>
+          <a:bodyPr/>
+          <a:lstStyle/>
+          <a:p>
+            <a:endParaRPr lang="nl-NL" dirty="0"/>
+          </a:p>
+        </p:txBody>
+      </p:sp>
+    </p:spTree>
+    <p:extLst>
+      <p:ext uri="{BB962C8B-B14F-4D97-AF65-F5344CB8AC3E}">
+        <p14:creationId xmlns:p14="http://schemas.microsoft.com/office/powerpoint/2010/main" val="3031504431"/>
+      </p:ext>
+    </p:extLst>
+  </p:cSld>
+  <p:clrMapOvr>
+    <a:masterClrMapping/>
+  </p:clrMapOvr>
 </p:sld>
 </file>
 
